--- a/src/test/java/net/openhft/chronicle/map/fromdocs/acid/ChronicleStampedLock.pptx
+++ b/src/test/java/net/openhft/chronicle/map/fromdocs/acid/ChronicleStampedLock.pptx
@@ -8,6 +8,7 @@
     <p:sldId id="256" r:id="rId2"/>
     <p:sldId id="257" r:id="rId3"/>
     <p:sldId id="259" r:id="rId4"/>
+    <p:sldId id="260" r:id="rId5"/>
   </p:sldIdLst>
   <p:sldSz cx="12192000" cy="6858000"/>
   <p:notesSz cx="6858000" cy="9144000"/>
@@ -4881,42 +4882,6 @@
       </p:grpSpPr>
       <p:pic>
         <p:nvPicPr>
-          <p:cNvPr id="4" name="Picture 3" descr="A screenshot of a cell phone&#10;&#10;Description automatically generated">
-            <a:extLst>
-              <a:ext uri="{FF2B5EF4-FFF2-40B4-BE49-F238E27FC236}">
-                <a16:creationId xmlns:a16="http://schemas.microsoft.com/office/drawing/2014/main" id="{784AC308-1B60-4D4E-AB63-618827D5CCDB}"/>
-              </a:ext>
-            </a:extLst>
-          </p:cNvPr>
-          <p:cNvPicPr>
-            <a:picLocks noChangeAspect="1"/>
-          </p:cNvPicPr>
-          <p:nvPr/>
-        </p:nvPicPr>
-        <p:blipFill>
-          <a:blip r:embed="rId2">
-            <a:extLst>
-              <a:ext uri="{28A0092B-C50C-407E-A947-70E740481C1C}">
-                <a14:useLocalDpi xmlns:a14="http://schemas.microsoft.com/office/drawing/2010/main" val="0"/>
-              </a:ext>
-            </a:extLst>
-          </a:blip>
-          <a:stretch>
-            <a:fillRect/>
-          </a:stretch>
-        </p:blipFill>
-        <p:spPr>
-          <a:xfrm>
-            <a:off x="404018" y="852619"/>
-            <a:ext cx="11383964" cy="4601217"/>
-          </a:xfrm>
-          <a:prstGeom prst="rect">
-            <a:avLst/>
-          </a:prstGeom>
-        </p:spPr>
-      </p:pic>
-      <p:pic>
-        <p:nvPicPr>
           <p:cNvPr id="5" name="Picture 8" descr="CITI 1, download CITI 1 :: Vector Logos, Brand logo, Company logo">
             <a:extLst>
               <a:ext uri="{FF2B5EF4-FFF2-40B4-BE49-F238E27FC236}">
@@ -4930,7 +4895,7 @@
           <p:nvPr/>
         </p:nvPicPr>
         <p:blipFill>
-          <a:blip r:embed="rId3">
+          <a:blip r:embed="rId2">
             <a:extLst>
               <a:ext uri="{28A0092B-C50C-407E-A947-70E740481C1C}">
                 <a14:useLocalDpi xmlns:a14="http://schemas.microsoft.com/office/drawing/2010/main" val="0"/>
@@ -4962,6 +4927,117 @@
           </a:extLst>
         </p:spPr>
       </p:pic>
+      <p:pic>
+        <p:nvPicPr>
+          <p:cNvPr id="6" name="Picture 5">
+            <a:extLst>
+              <a:ext uri="{FF2B5EF4-FFF2-40B4-BE49-F238E27FC236}">
+                <a16:creationId xmlns:a16="http://schemas.microsoft.com/office/drawing/2014/main" id="{FA858650-57E2-422C-9E42-8E0A8231E3E4}"/>
+              </a:ext>
+            </a:extLst>
+          </p:cNvPr>
+          <p:cNvPicPr>
+            <a:picLocks noChangeAspect="1"/>
+          </p:cNvPicPr>
+          <p:nvPr/>
+        </p:nvPicPr>
+        <p:blipFill>
+          <a:blip r:embed="rId3"/>
+          <a:stretch>
+            <a:fillRect/>
+          </a:stretch>
+        </p:blipFill>
+        <p:spPr>
+          <a:xfrm>
+            <a:off x="273276" y="457441"/>
+            <a:ext cx="11820525" cy="5717268"/>
+          </a:xfrm>
+          <a:prstGeom prst="rect">
+            <a:avLst/>
+          </a:prstGeom>
+        </p:spPr>
+      </p:pic>
+      <p:sp>
+        <p:nvSpPr>
+          <p:cNvPr id="7" name="Arrow: Left 6">
+            <a:extLst>
+              <a:ext uri="{FF2B5EF4-FFF2-40B4-BE49-F238E27FC236}">
+                <a16:creationId xmlns:a16="http://schemas.microsoft.com/office/drawing/2014/main" id="{BFC95537-EBAF-4F2B-9097-DC188B46F4D7}"/>
+              </a:ext>
+            </a:extLst>
+          </p:cNvPr>
+          <p:cNvSpPr/>
+          <p:nvPr/>
+        </p:nvSpPr>
+        <p:spPr>
+          <a:xfrm>
+            <a:off x="7286171" y="3831771"/>
+            <a:ext cx="1712686" cy="493486"/>
+          </a:xfrm>
+          <a:prstGeom prst="leftArrow">
+            <a:avLst/>
+          </a:prstGeom>
+        </p:spPr>
+        <p:style>
+          <a:lnRef idx="2">
+            <a:schemeClr val="accent1">
+              <a:shade val="50000"/>
+            </a:schemeClr>
+          </a:lnRef>
+          <a:fillRef idx="1">
+            <a:schemeClr val="accent1"/>
+          </a:fillRef>
+          <a:effectRef idx="0">
+            <a:schemeClr val="accent1"/>
+          </a:effectRef>
+          <a:fontRef idx="minor">
+            <a:schemeClr val="lt1"/>
+          </a:fontRef>
+        </p:style>
+        <p:txBody>
+          <a:bodyPr rtlCol="0" anchor="ctr"/>
+          <a:lstStyle/>
+          <a:p>
+            <a:pPr algn="ctr"/>
+            <a:endParaRPr lang="en-US"/>
+          </a:p>
+        </p:txBody>
+      </p:sp>
+      <p:sp>
+        <p:nvSpPr>
+          <p:cNvPr id="8" name="TextBox 7">
+            <a:extLst>
+              <a:ext uri="{FF2B5EF4-FFF2-40B4-BE49-F238E27FC236}">
+                <a16:creationId xmlns:a16="http://schemas.microsoft.com/office/drawing/2014/main" id="{C15CAB94-5DAA-435E-A883-A52B3416D862}"/>
+              </a:ext>
+            </a:extLst>
+          </p:cNvPr>
+          <p:cNvSpPr txBox="1"/>
+          <p:nvPr/>
+        </p:nvSpPr>
+        <p:spPr>
+          <a:xfrm>
+            <a:off x="9318171" y="4005943"/>
+            <a:ext cx="1277258" cy="369332"/>
+          </a:xfrm>
+          <a:prstGeom prst="rect">
+            <a:avLst/>
+          </a:prstGeom>
+          <a:noFill/>
+        </p:spPr>
+        <p:txBody>
+          <a:bodyPr wrap="square" rtlCol="0">
+            <a:spAutoFit/>
+          </a:bodyPr>
+          <a:lstStyle/>
+          <a:p>
+            <a:r>
+              <a:rPr lang="en-US" dirty="0"/>
+              <a:t>@t = 3</a:t>
+            </a:r>
+          </a:p>
+        </p:txBody>
+      </p:sp>
     </p:spTree>
     <p:extLst>
       <p:ext uri="{BB962C8B-B14F-4D97-AF65-F5344CB8AC3E}">
@@ -4994,36 +5070,6 @@
       </p:grpSpPr>
       <p:pic>
         <p:nvPicPr>
-          <p:cNvPr id="4" name="Picture 3">
-            <a:extLst>
-              <a:ext uri="{FF2B5EF4-FFF2-40B4-BE49-F238E27FC236}">
-                <a16:creationId xmlns:a16="http://schemas.microsoft.com/office/drawing/2014/main" id="{8B966908-5EF1-4000-84E7-9B7BEBD851CB}"/>
-              </a:ext>
-            </a:extLst>
-          </p:cNvPr>
-          <p:cNvPicPr>
-            <a:picLocks noChangeAspect="1"/>
-          </p:cNvPicPr>
-          <p:nvPr/>
-        </p:nvPicPr>
-        <p:blipFill>
-          <a:blip r:embed="rId2"/>
-          <a:stretch>
-            <a:fillRect/>
-          </a:stretch>
-        </p:blipFill>
-        <p:spPr>
-          <a:xfrm>
-            <a:off x="375439" y="1018838"/>
-            <a:ext cx="11441122" cy="4820323"/>
-          </a:xfrm>
-          <a:prstGeom prst="rect">
-            <a:avLst/>
-          </a:prstGeom>
-        </p:spPr>
-      </p:pic>
-      <p:pic>
-        <p:nvPicPr>
           <p:cNvPr id="5" name="Picture 8" descr="CITI 1, download CITI 1 :: Vector Logos, Brand logo, Company logo">
             <a:extLst>
               <a:ext uri="{FF2B5EF4-FFF2-40B4-BE49-F238E27FC236}">
@@ -5037,7 +5083,7 @@
           <p:nvPr/>
         </p:nvPicPr>
         <p:blipFill>
-          <a:blip r:embed="rId3">
+          <a:blip r:embed="rId2">
             <a:extLst>
               <a:ext uri="{28A0092B-C50C-407E-A947-70E740481C1C}">
                 <a14:useLocalDpi xmlns:a14="http://schemas.microsoft.com/office/drawing/2010/main" val="0"/>
@@ -5069,10 +5115,239 @@
           </a:extLst>
         </p:spPr>
       </p:pic>
+      <p:pic>
+        <p:nvPicPr>
+          <p:cNvPr id="7" name="Picture 6">
+            <a:extLst>
+              <a:ext uri="{FF2B5EF4-FFF2-40B4-BE49-F238E27FC236}">
+                <a16:creationId xmlns:a16="http://schemas.microsoft.com/office/drawing/2014/main" id="{6B3CB477-BBE5-4836-B7ED-A256F254471F}"/>
+              </a:ext>
+            </a:extLst>
+          </p:cNvPr>
+          <p:cNvPicPr>
+            <a:picLocks noChangeAspect="1"/>
+          </p:cNvPicPr>
+          <p:nvPr/>
+        </p:nvPicPr>
+        <p:blipFill>
+          <a:blip r:embed="rId3"/>
+          <a:stretch>
+            <a:fillRect/>
+          </a:stretch>
+        </p:blipFill>
+        <p:spPr>
+          <a:xfrm>
+            <a:off x="423862" y="377371"/>
+            <a:ext cx="11344275" cy="5797338"/>
+          </a:xfrm>
+          <a:prstGeom prst="rect">
+            <a:avLst/>
+          </a:prstGeom>
+        </p:spPr>
+      </p:pic>
+      <p:sp>
+        <p:nvSpPr>
+          <p:cNvPr id="9" name="Arrow: Left 8">
+            <a:extLst>
+              <a:ext uri="{FF2B5EF4-FFF2-40B4-BE49-F238E27FC236}">
+                <a16:creationId xmlns:a16="http://schemas.microsoft.com/office/drawing/2014/main" id="{A4FECA26-55F6-4EF6-B4A3-1F261350EDD2}"/>
+              </a:ext>
+            </a:extLst>
+          </p:cNvPr>
+          <p:cNvSpPr/>
+          <p:nvPr/>
+        </p:nvSpPr>
+        <p:spPr>
+          <a:xfrm>
+            <a:off x="8853714" y="3643086"/>
+            <a:ext cx="1494972" cy="391885"/>
+          </a:xfrm>
+          <a:prstGeom prst="leftArrow">
+            <a:avLst/>
+          </a:prstGeom>
+        </p:spPr>
+        <p:style>
+          <a:lnRef idx="2">
+            <a:schemeClr val="accent1">
+              <a:shade val="50000"/>
+            </a:schemeClr>
+          </a:lnRef>
+          <a:fillRef idx="1">
+            <a:schemeClr val="accent1"/>
+          </a:fillRef>
+          <a:effectRef idx="0">
+            <a:schemeClr val="accent1"/>
+          </a:effectRef>
+          <a:fontRef idx="minor">
+            <a:schemeClr val="lt1"/>
+          </a:fontRef>
+        </p:style>
+        <p:txBody>
+          <a:bodyPr rtlCol="0" anchor="ctr"/>
+          <a:lstStyle/>
+          <a:p>
+            <a:pPr algn="ctr"/>
+            <a:endParaRPr lang="en-US"/>
+          </a:p>
+        </p:txBody>
+      </p:sp>
     </p:spTree>
     <p:extLst>
       <p:ext uri="{BB962C8B-B14F-4D97-AF65-F5344CB8AC3E}">
         <p14:creationId xmlns:p14="http://schemas.microsoft.com/office/powerpoint/2010/main" val="1778032743"/>
+      </p:ext>
+    </p:extLst>
+  </p:cSld>
+  <p:clrMapOvr>
+    <a:masterClrMapping/>
+  </p:clrMapOvr>
+</p:sld>
+</file>
+
+<file path=ppt/slides/slide4.xml><?xml version="1.0" encoding="utf-8"?>
+<p:sld xmlns:a="http://schemas.openxmlformats.org/drawingml/2006/main" xmlns:r="http://schemas.openxmlformats.org/officeDocument/2006/relationships" xmlns:p="http://schemas.openxmlformats.org/presentationml/2006/main">
+  <p:cSld>
+    <p:spTree>
+      <p:nvGrpSpPr>
+        <p:cNvPr id="1" name=""/>
+        <p:cNvGrpSpPr/>
+        <p:nvPr/>
+      </p:nvGrpSpPr>
+      <p:grpSpPr>
+        <a:xfrm>
+          <a:off x="0" y="0"/>
+          <a:ext cx="0" cy="0"/>
+          <a:chOff x="0" y="0"/>
+          <a:chExt cx="0" cy="0"/>
+        </a:xfrm>
+      </p:grpSpPr>
+      <p:pic>
+        <p:nvPicPr>
+          <p:cNvPr id="2" name="Picture 8" descr="CITI 1, download CITI 1 :: Vector Logos, Brand logo, Company logo">
+            <a:extLst>
+              <a:ext uri="{FF2B5EF4-FFF2-40B4-BE49-F238E27FC236}">
+                <a16:creationId xmlns:a16="http://schemas.microsoft.com/office/drawing/2014/main" id="{6536036A-3C11-41C1-86E6-C94A68B1A115}"/>
+              </a:ext>
+            </a:extLst>
+          </p:cNvPr>
+          <p:cNvPicPr>
+            <a:picLocks noChangeAspect="1" noChangeArrowheads="1"/>
+          </p:cNvPicPr>
+          <p:nvPr/>
+        </p:nvPicPr>
+        <p:blipFill>
+          <a:blip r:embed="rId2">
+            <a:extLst>
+              <a:ext uri="{28A0092B-C50C-407E-A947-70E740481C1C}">
+                <a14:useLocalDpi xmlns:a14="http://schemas.microsoft.com/office/drawing/2010/main" val="0"/>
+              </a:ext>
+            </a:extLst>
+          </a:blip>
+          <a:srcRect/>
+          <a:stretch>
+            <a:fillRect/>
+          </a:stretch>
+        </p:blipFill>
+        <p:spPr bwMode="auto">
+          <a:xfrm>
+            <a:off x="11244262" y="6174709"/>
+            <a:ext cx="674462" cy="674462"/>
+          </a:xfrm>
+          <a:prstGeom prst="rect">
+            <a:avLst/>
+          </a:prstGeom>
+          <a:noFill/>
+          <a:extLst>
+            <a:ext uri="{909E8E84-426E-40DD-AFC4-6F175D3DCCD1}">
+              <a14:hiddenFill xmlns:a14="http://schemas.microsoft.com/office/drawing/2010/main">
+                <a:solidFill>
+                  <a:srgbClr val="FFFFFF"/>
+                </a:solidFill>
+              </a14:hiddenFill>
+            </a:ext>
+          </a:extLst>
+        </p:spPr>
+      </p:pic>
+      <p:pic>
+        <p:nvPicPr>
+          <p:cNvPr id="3" name="Picture 2">
+            <a:extLst>
+              <a:ext uri="{FF2B5EF4-FFF2-40B4-BE49-F238E27FC236}">
+                <a16:creationId xmlns:a16="http://schemas.microsoft.com/office/drawing/2014/main" id="{D40ED3E3-00F1-4DD3-9C89-41CC9E853C8C}"/>
+              </a:ext>
+            </a:extLst>
+          </p:cNvPr>
+          <p:cNvPicPr>
+            <a:picLocks noChangeAspect="1"/>
+          </p:cNvPicPr>
+          <p:nvPr/>
+        </p:nvPicPr>
+        <p:blipFill>
+          <a:blip r:embed="rId3"/>
+          <a:stretch>
+            <a:fillRect/>
+          </a:stretch>
+        </p:blipFill>
+        <p:spPr>
+          <a:xfrm>
+            <a:off x="376237" y="145143"/>
+            <a:ext cx="11439525" cy="5892800"/>
+          </a:xfrm>
+          <a:prstGeom prst="rect">
+            <a:avLst/>
+          </a:prstGeom>
+        </p:spPr>
+      </p:pic>
+      <p:sp>
+        <p:nvSpPr>
+          <p:cNvPr id="4" name="Arrow: Left 3">
+            <a:extLst>
+              <a:ext uri="{FF2B5EF4-FFF2-40B4-BE49-F238E27FC236}">
+                <a16:creationId xmlns:a16="http://schemas.microsoft.com/office/drawing/2014/main" id="{3BB26AB2-00E1-4B0E-A67E-50D1CA3B14E4}"/>
+              </a:ext>
+            </a:extLst>
+          </p:cNvPr>
+          <p:cNvSpPr/>
+          <p:nvPr/>
+        </p:nvSpPr>
+        <p:spPr>
+          <a:xfrm>
+            <a:off x="7997371" y="3607920"/>
+            <a:ext cx="1248229" cy="435428"/>
+          </a:xfrm>
+          <a:prstGeom prst="leftArrow">
+            <a:avLst/>
+          </a:prstGeom>
+        </p:spPr>
+        <p:style>
+          <a:lnRef idx="2">
+            <a:schemeClr val="accent1">
+              <a:shade val="50000"/>
+            </a:schemeClr>
+          </a:lnRef>
+          <a:fillRef idx="1">
+            <a:schemeClr val="accent1"/>
+          </a:fillRef>
+          <a:effectRef idx="0">
+            <a:schemeClr val="accent1"/>
+          </a:effectRef>
+          <a:fontRef idx="minor">
+            <a:schemeClr val="lt1"/>
+          </a:fontRef>
+        </p:style>
+        <p:txBody>
+          <a:bodyPr rtlCol="0" anchor="ctr"/>
+          <a:lstStyle/>
+          <a:p>
+            <a:pPr algn="ctr"/>
+            <a:endParaRPr lang="en-US"/>
+          </a:p>
+        </p:txBody>
+      </p:sp>
+    </p:spTree>
+    <p:extLst>
+      <p:ext uri="{BB962C8B-B14F-4D97-AF65-F5344CB8AC3E}">
+        <p14:creationId xmlns:p14="http://schemas.microsoft.com/office/powerpoint/2010/main" val="2747914725"/>
       </p:ext>
     </p:extLst>
   </p:cSld>
